--- a/Lectures/Lec6-MDP-DP.pptx
+++ b/Lectures/Lec6-MDP-DP.pptx
@@ -112,6 +112,11 @@
       </a:defRPr>
     </a:lvl9pPr>
   </p:defaultTextStyle>
+  <p:extLst>
+    <p:ext uri="{EFAFB233-063F-42B5-8137-9DF3F51BA10A}">
+      <p15:sldGuideLst xmlns:p15="http://schemas.microsoft.com/office/powerpoint/2012/main"/>
+    </p:ext>
+  </p:extLst>
 </p:presentation>
 </file>
 
@@ -264,7 +269,7 @@
           <a:p>
             <a:fld id="{A1F54878-88F1-1C4C-BD48-CE01A62DB1C1}" type="datetimeFigureOut">
               <a:rPr lang="en-CN" smtClean="0"/>
-              <a:t>2020/4/29</a:t>
+              <a:t>2023/10/30</a:t>
             </a:fld>
             <a:endParaRPr lang="en-CN"/>
           </a:p>
@@ -464,7 +469,7 @@
           <a:p>
             <a:fld id="{A1F54878-88F1-1C4C-BD48-CE01A62DB1C1}" type="datetimeFigureOut">
               <a:rPr lang="en-CN" smtClean="0"/>
-              <a:t>2020/4/29</a:t>
+              <a:t>2023/10/30</a:t>
             </a:fld>
             <a:endParaRPr lang="en-CN"/>
           </a:p>
@@ -674,7 +679,7 @@
           <a:p>
             <a:fld id="{A1F54878-88F1-1C4C-BD48-CE01A62DB1C1}" type="datetimeFigureOut">
               <a:rPr lang="en-CN" smtClean="0"/>
-              <a:t>2020/4/29</a:t>
+              <a:t>2023/10/30</a:t>
             </a:fld>
             <a:endParaRPr lang="en-CN"/>
           </a:p>
@@ -874,7 +879,7 @@
           <a:p>
             <a:fld id="{A1F54878-88F1-1C4C-BD48-CE01A62DB1C1}" type="datetimeFigureOut">
               <a:rPr lang="en-CN" smtClean="0"/>
-              <a:t>2020/4/29</a:t>
+              <a:t>2023/10/30</a:t>
             </a:fld>
             <a:endParaRPr lang="en-CN"/>
           </a:p>
@@ -1150,7 +1155,7 @@
           <a:p>
             <a:fld id="{A1F54878-88F1-1C4C-BD48-CE01A62DB1C1}" type="datetimeFigureOut">
               <a:rPr lang="en-CN" smtClean="0"/>
-              <a:t>2020/4/29</a:t>
+              <a:t>2023/10/30</a:t>
             </a:fld>
             <a:endParaRPr lang="en-CN"/>
           </a:p>
@@ -1418,7 +1423,7 @@
           <a:p>
             <a:fld id="{A1F54878-88F1-1C4C-BD48-CE01A62DB1C1}" type="datetimeFigureOut">
               <a:rPr lang="en-CN" smtClean="0"/>
-              <a:t>2020/4/29</a:t>
+              <a:t>2023/10/30</a:t>
             </a:fld>
             <a:endParaRPr lang="en-CN"/>
           </a:p>
@@ -1833,7 +1838,7 @@
           <a:p>
             <a:fld id="{A1F54878-88F1-1C4C-BD48-CE01A62DB1C1}" type="datetimeFigureOut">
               <a:rPr lang="en-CN" smtClean="0"/>
-              <a:t>2020/4/29</a:t>
+              <a:t>2023/10/30</a:t>
             </a:fld>
             <a:endParaRPr lang="en-CN"/>
           </a:p>
@@ -1975,7 +1980,7 @@
           <a:p>
             <a:fld id="{A1F54878-88F1-1C4C-BD48-CE01A62DB1C1}" type="datetimeFigureOut">
               <a:rPr lang="en-CN" smtClean="0"/>
-              <a:t>2020/4/29</a:t>
+              <a:t>2023/10/30</a:t>
             </a:fld>
             <a:endParaRPr lang="en-CN"/>
           </a:p>
@@ -2088,7 +2093,7 @@
           <a:p>
             <a:fld id="{A1F54878-88F1-1C4C-BD48-CE01A62DB1C1}" type="datetimeFigureOut">
               <a:rPr lang="en-CN" smtClean="0"/>
-              <a:t>2020/4/29</a:t>
+              <a:t>2023/10/30</a:t>
             </a:fld>
             <a:endParaRPr lang="en-CN"/>
           </a:p>
@@ -2401,7 +2406,7 @@
           <a:p>
             <a:fld id="{A1F54878-88F1-1C4C-BD48-CE01A62DB1C1}" type="datetimeFigureOut">
               <a:rPr lang="en-CN" smtClean="0"/>
-              <a:t>2020/4/29</a:t>
+              <a:t>2023/10/30</a:t>
             </a:fld>
             <a:endParaRPr lang="en-CN"/>
           </a:p>
@@ -2690,7 +2695,7 @@
           <a:p>
             <a:fld id="{A1F54878-88F1-1C4C-BD48-CE01A62DB1C1}" type="datetimeFigureOut">
               <a:rPr lang="en-CN" smtClean="0"/>
-              <a:t>2020/4/29</a:t>
+              <a:t>2023/10/30</a:t>
             </a:fld>
             <a:endParaRPr lang="en-CN"/>
           </a:p>
@@ -2933,7 +2938,7 @@
           <a:p>
             <a:fld id="{A1F54878-88F1-1C4C-BD48-CE01A62DB1C1}" type="datetimeFigureOut">
               <a:rPr lang="en-CN" smtClean="0"/>
-              <a:t>2020/4/29</a:t>
+              <a:t>2023/10/30</a:t>
             </a:fld>
             <a:endParaRPr lang="en-CN"/>
           </a:p>
@@ -3368,7 +3373,9 @@
         </p:nvSpPr>
         <p:spPr/>
         <p:txBody>
-          <a:bodyPr/>
+          <a:bodyPr>
+            <a:normAutofit fontScale="90000"/>
+          </a:bodyPr>
           <a:lstStyle/>
           <a:p>
             <a:r>
@@ -3379,18 +3386,24 @@
               <a:t>用</a:t>
             </a:r>
             <a:r>
+              <a:rPr lang="ja-JP" altLang="en-US">
+                <a:latin typeface="Heiti TC Medium" pitchFamily="2" charset="-128"/>
+                <a:ea typeface="Heiti TC Medium" pitchFamily="2" charset="-128"/>
+              </a:rPr>
+              <a:t>动态规划技术求解</a:t>
+            </a:r>
+            <a:br>
               <a:rPr lang="en-US" altLang="ja-JP" dirty="0">
                 <a:latin typeface="Heiti TC Medium" pitchFamily="2" charset="-128"/>
                 <a:ea typeface="Heiti TC Medium" pitchFamily="2" charset="-128"/>
               </a:rPr>
-              <a:t>DP</a:t>
-            </a:r>
+            </a:br>
             <a:r>
               <a:rPr lang="ja-JP" altLang="en-US">
                 <a:latin typeface="Heiti TC Medium" pitchFamily="2" charset="-128"/>
                 <a:ea typeface="Heiti TC Medium" pitchFamily="2" charset="-128"/>
               </a:rPr>
-              <a:t>求解马尔科夫决策过程的最优策略</a:t>
+              <a:t>马尔科夫决策过程最优策略</a:t>
             </a:r>
             <a:endParaRPr lang="en-CN" dirty="0">
               <a:latin typeface="Heiti TC Medium" pitchFamily="2" charset="-128"/>
